--- a/docs/img/セミナー表4.pptx
+++ b/docs/img/セミナー表4.pptx
@@ -3341,7 +3341,7 @@
           <p:nvPr>
             <p:extLst>
               <p:ext uri="{D42A27DB-BD31-4B8C-83A1-F6EECF244321}">
-                <p14:modId xmlns:p14="http://schemas.microsoft.com/office/powerpoint/2010/main" val="3929061648"/>
+                <p14:modId xmlns:p14="http://schemas.microsoft.com/office/powerpoint/2010/main" val="1060819825"/>
               </p:ext>
             </p:extLst>
           </p:nvPr>
@@ -3364,14 +3364,14 @@
                     </a:ext>
                   </a:extLst>
                 </a:gridCol>
-                <a:gridCol w="3589107">
+                <a:gridCol w="3229510">
                   <a:extLst>
                     <a:ext uri="{9D8B030D-6E8A-4147-A177-3AD203B41FA5}">
                       <a16:colId xmlns:a16="http://schemas.microsoft.com/office/drawing/2014/main" val="2879414121"/>
                     </a:ext>
                   </a:extLst>
                 </a:gridCol>
-                <a:gridCol w="2732925">
+                <a:gridCol w="3092522">
                   <a:extLst>
                     <a:ext uri="{9D8B030D-6E8A-4147-A177-3AD203B41FA5}">
                       <a16:colId xmlns:a16="http://schemas.microsoft.com/office/drawing/2014/main" val="2233738816"/>
